--- a/TeamIntro/TeamInto.pptx
+++ b/TeamIntro/TeamInto.pptx
@@ -104,6 +104,11 @@
       </a:defRPr>
     </a:lvl9pPr>
   </p:defaultTextStyle>
+  <p:extLst>
+    <p:ext uri="{EFAFB233-063F-42B5-8137-9DF3F51BA10A}">
+      <p15:sldGuideLst xmlns:p15="http://schemas.microsoft.com/office/powerpoint/2012/main"/>
+    </p:ext>
+  </p:extLst>
 </p:presentation>
 </file>
 
@@ -4026,6 +4031,9 @@
                     <p:cTn id="3" fill="hold">
                       <p:stCondLst>
                         <p:cond delay="indefinite"/>
+                        <p:cond evt="onBegin" delay="0">
+                          <p:tn val="2"/>
+                        </p:cond>
                       </p:stCondLst>
                       <p:childTnLst>
                         <p:par>
@@ -4035,7 +4043,7 @@
                             </p:stCondLst>
                             <p:childTnLst>
                               <p:par>
-                                <p:cTn id="5" presetID="31" presetClass="entr" presetSubtype="0" fill="hold" nodeType="clickEffect">
+                                <p:cTn id="5" presetID="31" presetClass="entr" presetSubtype="0" fill="hold" nodeType="withEffect">
                                   <p:stCondLst>
                                     <p:cond delay="0"/>
                                   </p:stCondLst>
@@ -4141,30 +4149,21 @@
                             </p:childTnLst>
                           </p:cTn>
                         </p:par>
-                      </p:childTnLst>
-                    </p:cTn>
-                  </p:par>
-                  <p:par>
-                    <p:cTn id="11" fill="hold">
-                      <p:stCondLst>
-                        <p:cond delay="indefinite"/>
-                      </p:stCondLst>
-                      <p:childTnLst>
                         <p:par>
-                          <p:cTn id="12" fill="hold">
+                          <p:cTn id="11" fill="hold">
                             <p:stCondLst>
-                              <p:cond delay="0"/>
+                              <p:cond delay="1000"/>
                             </p:stCondLst>
                             <p:childTnLst>
                               <p:par>
-                                <p:cTn id="13" presetID="42" presetClass="entr" presetSubtype="0" fill="hold" grpId="0" nodeType="clickEffect">
+                                <p:cTn id="12" presetID="42" presetClass="entr" presetSubtype="0" fill="hold" grpId="0" nodeType="afterEffect">
                                   <p:stCondLst>
                                     <p:cond delay="0"/>
                                   </p:stCondLst>
                                   <p:childTnLst>
                                     <p:set>
                                       <p:cBhvr>
-                                        <p:cTn id="14" dur="1" fill="hold">
+                                        <p:cTn id="13" dur="1" fill="hold">
                                           <p:stCondLst>
                                             <p:cond delay="0"/>
                                           </p:stCondLst>
@@ -4182,7 +4181,7 @@
                                     </p:set>
                                     <p:animEffect transition="in" filter="fade">
                                       <p:cBhvr>
-                                        <p:cTn id="15" dur="1000"/>
+                                        <p:cTn id="14" dur="1000"/>
                                         <p:tgtEl>
                                           <p:spTgt spid="21"/>
                                         </p:tgtEl>
@@ -4190,7 +4189,7 @@
                                     </p:animEffect>
                                     <p:anim calcmode="lin" valueType="num">
                                       <p:cBhvr>
-                                        <p:cTn id="16" dur="1000" fill="hold"/>
+                                        <p:cTn id="15" dur="1000" fill="hold"/>
                                         <p:tgtEl>
                                           <p:spTgt spid="21"/>
                                         </p:tgtEl>
@@ -4213,7 +4212,7 @@
                                     </p:anim>
                                     <p:anim calcmode="lin" valueType="num">
                                       <p:cBhvr>
-                                        <p:cTn id="17" dur="1000" fill="hold"/>
+                                        <p:cTn id="16" dur="1000" fill="hold"/>
                                         <p:tgtEl>
                                           <p:spTgt spid="21"/>
                                         </p:tgtEl>
@@ -4240,30 +4239,21 @@
                             </p:childTnLst>
                           </p:cTn>
                         </p:par>
-                      </p:childTnLst>
-                    </p:cTn>
-                  </p:par>
-                  <p:par>
-                    <p:cTn id="18" fill="hold">
-                      <p:stCondLst>
-                        <p:cond delay="indefinite"/>
-                      </p:stCondLst>
-                      <p:childTnLst>
                         <p:par>
-                          <p:cTn id="19" fill="hold">
+                          <p:cTn id="17" fill="hold">
                             <p:stCondLst>
-                              <p:cond delay="0"/>
+                              <p:cond delay="2000"/>
                             </p:stCondLst>
                             <p:childTnLst>
                               <p:par>
-                                <p:cTn id="20" presetID="31" presetClass="entr" presetSubtype="0" fill="hold" nodeType="clickEffect">
+                                <p:cTn id="18" presetID="31" presetClass="entr" presetSubtype="0" fill="hold" nodeType="afterEffect">
                                   <p:stCondLst>
                                     <p:cond delay="0"/>
                                   </p:stCondLst>
                                   <p:childTnLst>
                                     <p:set>
                                       <p:cBhvr>
-                                        <p:cTn id="21" dur="1" fill="hold">
+                                        <p:cTn id="19" dur="1" fill="hold">
                                           <p:stCondLst>
                                             <p:cond delay="0"/>
                                           </p:stCondLst>
@@ -4281,7 +4271,7 @@
                                     </p:set>
                                     <p:anim calcmode="lin" valueType="num">
                                       <p:cBhvr>
-                                        <p:cTn id="22" dur="1000" fill="hold"/>
+                                        <p:cTn id="20" dur="1000" fill="hold"/>
                                         <p:tgtEl>
                                           <p:spTgt spid="13"/>
                                         </p:tgtEl>
@@ -4304,7 +4294,7 @@
                                     </p:anim>
                                     <p:anim calcmode="lin" valueType="num">
                                       <p:cBhvr>
-                                        <p:cTn id="23" dur="1000" fill="hold"/>
+                                        <p:cTn id="21" dur="1000" fill="hold"/>
                                         <p:tgtEl>
                                           <p:spTgt spid="13"/>
                                         </p:tgtEl>
@@ -4327,7 +4317,7 @@
                                     </p:anim>
                                     <p:anim calcmode="lin" valueType="num">
                                       <p:cBhvr>
-                                        <p:cTn id="24" dur="1000" fill="hold"/>
+                                        <p:cTn id="22" dur="1000" fill="hold"/>
                                         <p:tgtEl>
                                           <p:spTgt spid="13"/>
                                         </p:tgtEl>
@@ -4350,7 +4340,7 @@
                                     </p:anim>
                                     <p:animEffect transition="in" filter="fade">
                                       <p:cBhvr>
-                                        <p:cTn id="25" dur="1000"/>
+                                        <p:cTn id="23" dur="1000"/>
                                         <p:tgtEl>
                                           <p:spTgt spid="13"/>
                                         </p:tgtEl>
@@ -4362,30 +4352,21 @@
                             </p:childTnLst>
                           </p:cTn>
                         </p:par>
-                      </p:childTnLst>
-                    </p:cTn>
-                  </p:par>
-                  <p:par>
-                    <p:cTn id="26" fill="hold">
-                      <p:stCondLst>
-                        <p:cond delay="indefinite"/>
-                      </p:stCondLst>
-                      <p:childTnLst>
                         <p:par>
-                          <p:cTn id="27" fill="hold">
+                          <p:cTn id="24" fill="hold">
                             <p:stCondLst>
-                              <p:cond delay="0"/>
+                              <p:cond delay="3000"/>
                             </p:stCondLst>
                             <p:childTnLst>
                               <p:par>
-                                <p:cTn id="28" presetID="42" presetClass="entr" presetSubtype="0" fill="hold" grpId="0" nodeType="clickEffect">
+                                <p:cTn id="25" presetID="42" presetClass="entr" presetSubtype="0" fill="hold" grpId="0" nodeType="afterEffect">
                                   <p:stCondLst>
                                     <p:cond delay="0"/>
                                   </p:stCondLst>
                                   <p:childTnLst>
                                     <p:set>
                                       <p:cBhvr>
-                                        <p:cTn id="29" dur="1" fill="hold">
+                                        <p:cTn id="26" dur="1" fill="hold">
                                           <p:stCondLst>
                                             <p:cond delay="0"/>
                                           </p:stCondLst>
@@ -4403,7 +4384,7 @@
                                     </p:set>
                                     <p:animEffect transition="in" filter="fade">
                                       <p:cBhvr>
-                                        <p:cTn id="30" dur="1000"/>
+                                        <p:cTn id="27" dur="1000"/>
                                         <p:tgtEl>
                                           <p:spTgt spid="29"/>
                                         </p:tgtEl>
@@ -4411,7 +4392,7 @@
                                     </p:animEffect>
                                     <p:anim calcmode="lin" valueType="num">
                                       <p:cBhvr>
-                                        <p:cTn id="31" dur="1000" fill="hold"/>
+                                        <p:cTn id="28" dur="1000" fill="hold"/>
                                         <p:tgtEl>
                                           <p:spTgt spid="29"/>
                                         </p:tgtEl>
@@ -4434,7 +4415,7 @@
                                     </p:anim>
                                     <p:anim calcmode="lin" valueType="num">
                                       <p:cBhvr>
-                                        <p:cTn id="32" dur="1000" fill="hold"/>
+                                        <p:cTn id="29" dur="1000" fill="hold"/>
                                         <p:tgtEl>
                                           <p:spTgt spid="29"/>
                                         </p:tgtEl>
@@ -4461,30 +4442,21 @@
                             </p:childTnLst>
                           </p:cTn>
                         </p:par>
-                      </p:childTnLst>
-                    </p:cTn>
-                  </p:par>
-                  <p:par>
-                    <p:cTn id="33" fill="hold">
-                      <p:stCondLst>
-                        <p:cond delay="indefinite"/>
-                      </p:stCondLst>
-                      <p:childTnLst>
                         <p:par>
-                          <p:cTn id="34" fill="hold">
+                          <p:cTn id="30" fill="hold">
                             <p:stCondLst>
-                              <p:cond delay="0"/>
+                              <p:cond delay="4000"/>
                             </p:stCondLst>
                             <p:childTnLst>
                               <p:par>
-                                <p:cTn id="35" presetID="31" presetClass="entr" presetSubtype="0" fill="hold" nodeType="clickEffect">
+                                <p:cTn id="31" presetID="31" presetClass="entr" presetSubtype="0" fill="hold" nodeType="afterEffect">
                                   <p:stCondLst>
                                     <p:cond delay="0"/>
                                   </p:stCondLst>
                                   <p:childTnLst>
                                     <p:set>
                                       <p:cBhvr>
-                                        <p:cTn id="36" dur="1" fill="hold">
+                                        <p:cTn id="32" dur="1" fill="hold">
                                           <p:stCondLst>
                                             <p:cond delay="0"/>
                                           </p:stCondLst>
@@ -4502,7 +4474,7 @@
                                     </p:set>
                                     <p:anim calcmode="lin" valueType="num">
                                       <p:cBhvr>
-                                        <p:cTn id="37" dur="1000" fill="hold"/>
+                                        <p:cTn id="33" dur="1000" fill="hold"/>
                                         <p:tgtEl>
                                           <p:spTgt spid="15"/>
                                         </p:tgtEl>
@@ -4525,7 +4497,7 @@
                                     </p:anim>
                                     <p:anim calcmode="lin" valueType="num">
                                       <p:cBhvr>
-                                        <p:cTn id="38" dur="1000" fill="hold"/>
+                                        <p:cTn id="34" dur="1000" fill="hold"/>
                                         <p:tgtEl>
                                           <p:spTgt spid="15"/>
                                         </p:tgtEl>
@@ -4548,7 +4520,7 @@
                                     </p:anim>
                                     <p:anim calcmode="lin" valueType="num">
                                       <p:cBhvr>
-                                        <p:cTn id="39" dur="1000" fill="hold"/>
+                                        <p:cTn id="35" dur="1000" fill="hold"/>
                                         <p:tgtEl>
                                           <p:spTgt spid="15"/>
                                         </p:tgtEl>
@@ -4571,7 +4543,7 @@
                                     </p:anim>
                                     <p:animEffect transition="in" filter="fade">
                                       <p:cBhvr>
-                                        <p:cTn id="40" dur="1000"/>
+                                        <p:cTn id="36" dur="1000"/>
                                         <p:tgtEl>
                                           <p:spTgt spid="15"/>
                                         </p:tgtEl>
@@ -4583,30 +4555,21 @@
                             </p:childTnLst>
                           </p:cTn>
                         </p:par>
-                      </p:childTnLst>
-                    </p:cTn>
-                  </p:par>
-                  <p:par>
-                    <p:cTn id="41" fill="hold">
-                      <p:stCondLst>
-                        <p:cond delay="indefinite"/>
-                      </p:stCondLst>
-                      <p:childTnLst>
                         <p:par>
-                          <p:cTn id="42" fill="hold">
+                          <p:cTn id="37" fill="hold">
                             <p:stCondLst>
-                              <p:cond delay="0"/>
+                              <p:cond delay="5000"/>
                             </p:stCondLst>
                             <p:childTnLst>
                               <p:par>
-                                <p:cTn id="43" presetID="42" presetClass="entr" presetSubtype="0" fill="hold" grpId="0" nodeType="clickEffect">
+                                <p:cTn id="38" presetID="42" presetClass="entr" presetSubtype="0" fill="hold" grpId="0" nodeType="afterEffect">
                                   <p:stCondLst>
                                     <p:cond delay="0"/>
                                   </p:stCondLst>
                                   <p:childTnLst>
                                     <p:set>
                                       <p:cBhvr>
-                                        <p:cTn id="44" dur="1" fill="hold">
+                                        <p:cTn id="39" dur="1" fill="hold">
                                           <p:stCondLst>
                                             <p:cond delay="0"/>
                                           </p:stCondLst>
@@ -4624,7 +4587,7 @@
                                     </p:set>
                                     <p:animEffect transition="in" filter="fade">
                                       <p:cBhvr>
-                                        <p:cTn id="45" dur="1000"/>
+                                        <p:cTn id="40" dur="1000"/>
                                         <p:tgtEl>
                                           <p:spTgt spid="30"/>
                                         </p:tgtEl>
@@ -4632,7 +4595,7 @@
                                     </p:animEffect>
                                     <p:anim calcmode="lin" valueType="num">
                                       <p:cBhvr>
-                                        <p:cTn id="46" dur="1000" fill="hold"/>
+                                        <p:cTn id="41" dur="1000" fill="hold"/>
                                         <p:tgtEl>
                                           <p:spTgt spid="30"/>
                                         </p:tgtEl>
@@ -4655,7 +4618,7 @@
                                     </p:anim>
                                     <p:anim calcmode="lin" valueType="num">
                                       <p:cBhvr>
-                                        <p:cTn id="47" dur="1000" fill="hold"/>
+                                        <p:cTn id="42" dur="1000" fill="hold"/>
                                         <p:tgtEl>
                                           <p:spTgt spid="30"/>
                                         </p:tgtEl>
@@ -4682,30 +4645,21 @@
                             </p:childTnLst>
                           </p:cTn>
                         </p:par>
-                      </p:childTnLst>
-                    </p:cTn>
-                  </p:par>
-                  <p:par>
-                    <p:cTn id="48" fill="hold">
-                      <p:stCondLst>
-                        <p:cond delay="indefinite"/>
-                      </p:stCondLst>
-                      <p:childTnLst>
                         <p:par>
-                          <p:cTn id="49" fill="hold">
+                          <p:cTn id="43" fill="hold">
                             <p:stCondLst>
-                              <p:cond delay="0"/>
+                              <p:cond delay="6000"/>
                             </p:stCondLst>
                             <p:childTnLst>
                               <p:par>
-                                <p:cTn id="50" presetID="31" presetClass="entr" presetSubtype="0" fill="hold" nodeType="clickEffect">
+                                <p:cTn id="44" presetID="31" presetClass="entr" presetSubtype="0" fill="hold" nodeType="afterEffect">
                                   <p:stCondLst>
                                     <p:cond delay="0"/>
                                   </p:stCondLst>
                                   <p:childTnLst>
                                     <p:set>
                                       <p:cBhvr>
-                                        <p:cTn id="51" dur="1" fill="hold">
+                                        <p:cTn id="45" dur="1" fill="hold">
                                           <p:stCondLst>
                                             <p:cond delay="0"/>
                                           </p:stCondLst>
@@ -4723,7 +4677,7 @@
                                     </p:set>
                                     <p:anim calcmode="lin" valueType="num">
                                       <p:cBhvr>
-                                        <p:cTn id="52" dur="1000" fill="hold"/>
+                                        <p:cTn id="46" dur="1000" fill="hold"/>
                                         <p:tgtEl>
                                           <p:spTgt spid="19"/>
                                         </p:tgtEl>
@@ -4746,7 +4700,7 @@
                                     </p:anim>
                                     <p:anim calcmode="lin" valueType="num">
                                       <p:cBhvr>
-                                        <p:cTn id="53" dur="1000" fill="hold"/>
+                                        <p:cTn id="47" dur="1000" fill="hold"/>
                                         <p:tgtEl>
                                           <p:spTgt spid="19"/>
                                         </p:tgtEl>
@@ -4769,7 +4723,7 @@
                                     </p:anim>
                                     <p:anim calcmode="lin" valueType="num">
                                       <p:cBhvr>
-                                        <p:cTn id="54" dur="1000" fill="hold"/>
+                                        <p:cTn id="48" dur="1000" fill="hold"/>
                                         <p:tgtEl>
                                           <p:spTgt spid="19"/>
                                         </p:tgtEl>
@@ -4792,7 +4746,7 @@
                                     </p:anim>
                                     <p:animEffect transition="in" filter="fade">
                                       <p:cBhvr>
-                                        <p:cTn id="55" dur="1000"/>
+                                        <p:cTn id="49" dur="1000"/>
                                         <p:tgtEl>
                                           <p:spTgt spid="19"/>
                                         </p:tgtEl>
@@ -4804,30 +4758,21 @@
                             </p:childTnLst>
                           </p:cTn>
                         </p:par>
-                      </p:childTnLst>
-                    </p:cTn>
-                  </p:par>
-                  <p:par>
-                    <p:cTn id="56" fill="hold">
-                      <p:stCondLst>
-                        <p:cond delay="indefinite"/>
-                      </p:stCondLst>
-                      <p:childTnLst>
                         <p:par>
-                          <p:cTn id="57" fill="hold">
+                          <p:cTn id="50" fill="hold">
                             <p:stCondLst>
-                              <p:cond delay="0"/>
+                              <p:cond delay="7000"/>
                             </p:stCondLst>
                             <p:childTnLst>
                               <p:par>
-                                <p:cTn id="58" presetID="2" presetClass="entr" presetSubtype="4" fill="hold" grpId="0" nodeType="clickEffect">
+                                <p:cTn id="51" presetID="2" presetClass="entr" presetSubtype="4" fill="hold" grpId="0" nodeType="afterEffect">
                                   <p:stCondLst>
                                     <p:cond delay="0"/>
                                   </p:stCondLst>
                                   <p:childTnLst>
                                     <p:set>
                                       <p:cBhvr>
-                                        <p:cTn id="59" dur="1" fill="hold">
+                                        <p:cTn id="52" dur="1" fill="hold">
                                           <p:stCondLst>
                                             <p:cond delay="0"/>
                                           </p:stCondLst>
@@ -4845,7 +4790,7 @@
                                     </p:set>
                                     <p:anim calcmode="lin" valueType="num">
                                       <p:cBhvr additive="base">
-                                        <p:cTn id="60" dur="500" fill="hold"/>
+                                        <p:cTn id="53" dur="500" fill="hold"/>
                                         <p:tgtEl>
                                           <p:spTgt spid="31"/>
                                         </p:tgtEl>
@@ -4868,7 +4813,7 @@
                                     </p:anim>
                                     <p:anim calcmode="lin" valueType="num">
                                       <p:cBhvr additive="base">
-                                        <p:cTn id="61" dur="500" fill="hold"/>
+                                        <p:cTn id="54" dur="500" fill="hold"/>
                                         <p:tgtEl>
                                           <p:spTgt spid="31"/>
                                         </p:tgtEl>
@@ -4895,30 +4840,21 @@
                             </p:childTnLst>
                           </p:cTn>
                         </p:par>
-                      </p:childTnLst>
-                    </p:cTn>
-                  </p:par>
-                  <p:par>
-                    <p:cTn id="62" fill="hold">
-                      <p:stCondLst>
-                        <p:cond delay="indefinite"/>
-                      </p:stCondLst>
-                      <p:childTnLst>
                         <p:par>
-                          <p:cTn id="63" fill="hold">
+                          <p:cTn id="55" fill="hold">
                             <p:stCondLst>
-                              <p:cond delay="0"/>
+                              <p:cond delay="7500"/>
                             </p:stCondLst>
                             <p:childTnLst>
                               <p:par>
-                                <p:cTn id="64" presetID="26" presetClass="entr" presetSubtype="0" fill="hold" nodeType="clickEffect">
+                                <p:cTn id="56" presetID="26" presetClass="entr" presetSubtype="0" fill="hold" nodeType="afterEffect">
                                   <p:stCondLst>
                                     <p:cond delay="0"/>
                                   </p:stCondLst>
                                   <p:childTnLst>
                                     <p:set>
                                       <p:cBhvr>
-                                        <p:cTn id="65" dur="1" fill="hold">
+                                        <p:cTn id="57" dur="1" fill="hold">
                                           <p:stCondLst>
                                             <p:cond delay="0"/>
                                           </p:stCondLst>
@@ -4940,7 +4876,7 @@
                                     </p:set>
                                     <p:animEffect transition="in" filter="wipe(down)">
                                       <p:cBhvr>
-                                        <p:cTn id="66" dur="580">
+                                        <p:cTn id="58" dur="580">
                                           <p:stCondLst>
                                             <p:cond delay="0"/>
                                           </p:stCondLst>
@@ -4956,7 +4892,7 @@
                                     </p:animEffect>
                                     <p:anim calcmode="lin" valueType="num">
                                       <p:cBhvr>
-                                        <p:cTn id="67" dur="1822" tmFilter="0,0; 0.14,0.36; 0.43,0.73; 0.71,0.91; 1.0,1.0">
+                                        <p:cTn id="59" dur="1822" tmFilter="0,0; 0.14,0.36; 0.43,0.73; 0.71,0.91; 1.0,1.0">
                                           <p:stCondLst>
                                             <p:cond delay="0"/>
                                           </p:stCondLst>
@@ -4987,7 +4923,7 @@
                                     </p:anim>
                                     <p:anim calcmode="lin" valueType="num">
                                       <p:cBhvr>
-                                        <p:cTn id="68" dur="664" tmFilter="0.0,0.0; 0.25,0.07; 0.50,0.2; 0.75,0.467; 1.0,1.0">
+                                        <p:cTn id="60" dur="664" tmFilter="0.0,0.0; 0.25,0.07; 0.50,0.2; 0.75,0.467; 1.0,1.0">
                                           <p:stCondLst>
                                             <p:cond delay="0"/>
                                           </p:stCondLst>
@@ -5018,7 +4954,7 @@
                                     </p:anim>
                                     <p:anim calcmode="lin" valueType="num">
                                       <p:cBhvr>
-                                        <p:cTn id="69" dur="664" tmFilter="0, 0; 0.125,0.2665; 0.25,0.4; 0.375,0.465; 0.5,0.5;  0.625,0.535; 0.75,0.6; 0.875,0.7335; 1,1">
+                                        <p:cTn id="61" dur="664" tmFilter="0, 0; 0.125,0.2665; 0.25,0.4; 0.375,0.465; 0.5,0.5;  0.625,0.535; 0.75,0.6; 0.875,0.7335; 1,1">
                                           <p:stCondLst>
                                             <p:cond delay="664"/>
                                           </p:stCondLst>
@@ -5049,7 +4985,7 @@
                                     </p:anim>
                                     <p:anim calcmode="lin" valueType="num">
                                       <p:cBhvr>
-                                        <p:cTn id="70" dur="332" tmFilter="0, 0; 0.125,0.2665; 0.25,0.4; 0.375,0.465; 0.5,0.5;  0.625,0.535; 0.75,0.6; 0.875,0.7335; 1,1">
+                                        <p:cTn id="62" dur="332" tmFilter="0, 0; 0.125,0.2665; 0.25,0.4; 0.375,0.465; 0.5,0.5;  0.625,0.535; 0.75,0.6; 0.875,0.7335; 1,1">
                                           <p:stCondLst>
                                             <p:cond delay="1324"/>
                                           </p:stCondLst>
@@ -5080,7 +5016,7 @@
                                     </p:anim>
                                     <p:anim calcmode="lin" valueType="num">
                                       <p:cBhvr>
-                                        <p:cTn id="71" dur="164" tmFilter="0, 0; 0.125,0.2665; 0.25,0.4; 0.375,0.465; 0.5,0.5;  0.625,0.535; 0.75,0.6; 0.875,0.7335; 1,1">
+                                        <p:cTn id="63" dur="164" tmFilter="0, 0; 0.125,0.2665; 0.25,0.4; 0.375,0.465; 0.5,0.5;  0.625,0.535; 0.75,0.6; 0.875,0.7335; 1,1">
                                           <p:stCondLst>
                                             <p:cond delay="1656"/>
                                           </p:stCondLst>
@@ -5111,7 +5047,7 @@
                                     </p:anim>
                                     <p:animScale>
                                       <p:cBhvr>
-                                        <p:cTn id="72" dur="26">
+                                        <p:cTn id="64" dur="26">
                                           <p:stCondLst>
                                             <p:cond delay="650"/>
                                           </p:stCondLst>
@@ -5128,7 +5064,7 @@
                                     </p:animScale>
                                     <p:animScale>
                                       <p:cBhvr>
-                                        <p:cTn id="73" dur="166" decel="50000">
+                                        <p:cTn id="65" dur="166" decel="50000">
                                           <p:stCondLst>
                                             <p:cond delay="676"/>
                                           </p:stCondLst>
@@ -5145,7 +5081,7 @@
                                     </p:animScale>
                                     <p:animScale>
                                       <p:cBhvr>
-                                        <p:cTn id="74" dur="26">
+                                        <p:cTn id="66" dur="26">
                                           <p:stCondLst>
                                             <p:cond delay="1312"/>
                                           </p:stCondLst>
@@ -5162,7 +5098,7 @@
                                     </p:animScale>
                                     <p:animScale>
                                       <p:cBhvr>
-                                        <p:cTn id="75" dur="166" decel="50000">
+                                        <p:cTn id="67" dur="166" decel="50000">
                                           <p:stCondLst>
                                             <p:cond delay="1338"/>
                                           </p:stCondLst>
@@ -5179,7 +5115,7 @@
                                     </p:animScale>
                                     <p:animScale>
                                       <p:cBhvr>
-                                        <p:cTn id="76" dur="26">
+                                        <p:cTn id="68" dur="26">
                                           <p:stCondLst>
                                             <p:cond delay="1642"/>
                                           </p:stCondLst>
@@ -5196,7 +5132,7 @@
                                     </p:animScale>
                                     <p:animScale>
                                       <p:cBhvr>
-                                        <p:cTn id="77" dur="166" decel="50000">
+                                        <p:cTn id="69" dur="166" decel="50000">
                                           <p:stCondLst>
                                             <p:cond delay="1668"/>
                                           </p:stCondLst>
@@ -5213,7 +5149,7 @@
                                     </p:animScale>
                                     <p:animScale>
                                       <p:cBhvr>
-                                        <p:cTn id="78" dur="26">
+                                        <p:cTn id="70" dur="26">
                                           <p:stCondLst>
                                             <p:cond delay="1808"/>
                                           </p:stCondLst>
@@ -5230,7 +5166,7 @@
                                     </p:animScale>
                                     <p:animScale>
                                       <p:cBhvr>
-                                        <p:cTn id="79" dur="166" decel="50000">
+                                        <p:cTn id="71" dur="166" decel="50000">
                                           <p:stCondLst>
                                             <p:cond delay="1834"/>
                                           </p:stCondLst>

--- a/TeamIntro/TeamInto.pptx
+++ b/TeamIntro/TeamInto.pptx
@@ -3433,7 +3433,7 @@
       </p:cxnSp>
       <p:pic>
         <p:nvPicPr>
-          <p:cNvPr id="13" name="Picture 12" descr="A picture containing person, clothing, person, smiling&#10;&#10;Description automatically generated">
+          <p:cNvPr id="13" name="Picture 12">
             <a:extLst>
               <a:ext uri="{FF2B5EF4-FFF2-40B4-BE49-F238E27FC236}">
                 <a16:creationId xmlns:a16="http://schemas.microsoft.com/office/drawing/2014/main" id="{E89C99AA-8A60-46F6-8505-622586A16C35}"/>
@@ -3453,9 +3453,8 @@
               </a:ext>
             </a:extLst>
           </a:blip>
-          <a:stretch>
-            <a:fillRect/>
-          </a:stretch>
+          <a:srcRect/>
+          <a:stretch/>
         </p:blipFill>
         <p:spPr>
           <a:xfrm>
